--- a/AI_course_work_presentation.pptx
+++ b/AI_course_work_presentation.pptx
@@ -10,9 +10,15 @@
     <p:sldId id="266" r:id="rId4"/>
     <p:sldId id="267" r:id="rId5"/>
     <p:sldId id="268" r:id="rId6"/>
-    <p:sldId id="269" r:id="rId7"/>
-    <p:sldId id="272" r:id="rId8"/>
-    <p:sldId id="270" r:id="rId9"/>
+    <p:sldId id="273" r:id="rId7"/>
+    <p:sldId id="274" r:id="rId8"/>
+    <p:sldId id="275" r:id="rId9"/>
+    <p:sldId id="277" r:id="rId10"/>
+    <p:sldId id="276" r:id="rId11"/>
+    <p:sldId id="278" r:id="rId12"/>
+    <p:sldId id="269" r:id="rId13"/>
+    <p:sldId id="272" r:id="rId14"/>
+    <p:sldId id="270" r:id="rId15"/>
   </p:sldIdLst>
   <p:sldSz cx="12192000" cy="6858000"/>
   <p:notesSz cx="6858000" cy="9144000"/>
@@ -8763,6 +8769,1448 @@
 </p:sld>
 </file>
 
+<file path=ppt/slides/slide10.xml><?xml version="1.0" encoding="utf-8"?>
+<p:sld xmlns:a="http://schemas.openxmlformats.org/drawingml/2006/main" xmlns:r="http://schemas.openxmlformats.org/officeDocument/2006/relationships" xmlns:p="http://schemas.openxmlformats.org/presentationml/2006/main">
+  <p:cSld>
+    <p:spTree>
+      <p:nvGrpSpPr>
+        <p:cNvPr id="1" name=""/>
+        <p:cNvGrpSpPr/>
+        <p:nvPr/>
+      </p:nvGrpSpPr>
+      <p:grpSpPr>
+        <a:xfrm>
+          <a:off x="0" y="0"/>
+          <a:ext cx="0" cy="0"/>
+          <a:chOff x="0" y="0"/>
+          <a:chExt cx="0" cy="0"/>
+        </a:xfrm>
+      </p:grpSpPr>
+      <p:sp>
+        <p:nvSpPr>
+          <p:cNvPr id="2" name="Title 1">
+            <a:extLst>
+              <a:ext uri="{FF2B5EF4-FFF2-40B4-BE49-F238E27FC236}">
+                <a16:creationId xmlns:a16="http://schemas.microsoft.com/office/drawing/2014/main" id="{6DC1C8EA-3EC8-D751-D7A8-4283A66ABABA}"/>
+              </a:ext>
+            </a:extLst>
+          </p:cNvPr>
+          <p:cNvSpPr>
+            <a:spLocks noGrp="1"/>
+          </p:cNvSpPr>
+          <p:nvPr>
+            <p:ph type="title"/>
+          </p:nvPr>
+        </p:nvSpPr>
+        <p:spPr/>
+        <p:txBody>
+          <a:bodyPr/>
+          <a:lstStyle/>
+          <a:p>
+            <a:r>
+              <a:rPr lang="en-US" dirty="0"/>
+              <a:t>Explainability</a:t>
+            </a:r>
+          </a:p>
+        </p:txBody>
+      </p:sp>
+      <p:sp>
+        <p:nvSpPr>
+          <p:cNvPr id="3" name="Content Placeholder 2">
+            <a:extLst>
+              <a:ext uri="{FF2B5EF4-FFF2-40B4-BE49-F238E27FC236}">
+                <a16:creationId xmlns:a16="http://schemas.microsoft.com/office/drawing/2014/main" id="{256A7230-DAFB-F032-EB7B-E629CC6BE367}"/>
+              </a:ext>
+            </a:extLst>
+          </p:cNvPr>
+          <p:cNvSpPr>
+            <a:spLocks noGrp="1"/>
+          </p:cNvSpPr>
+          <p:nvPr>
+            <p:ph idx="1"/>
+          </p:nvPr>
+        </p:nvSpPr>
+        <p:spPr/>
+        <p:txBody>
+          <a:bodyPr/>
+          <a:lstStyle/>
+          <a:p>
+            <a:r>
+              <a:rPr lang="en-US" dirty="0"/>
+              <a:t>Use SHAP framework to expose the model transparency to user</a:t>
+            </a:r>
+          </a:p>
+          <a:p>
+            <a:r>
+              <a:rPr lang="en-US" dirty="0"/>
+              <a:t>For each user query for salary prediction, user able to see how features contribute to the predicted value.</a:t>
+            </a:r>
+          </a:p>
+          <a:p>
+            <a:r>
+              <a:rPr lang="en-US" dirty="0"/>
+              <a:t>Show global and local interpretability</a:t>
+            </a:r>
+          </a:p>
+          <a:p>
+            <a:endParaRPr lang="en-US" dirty="0"/>
+          </a:p>
+        </p:txBody>
+      </p:sp>
+    </p:spTree>
+    <p:extLst>
+      <p:ext uri="{BB962C8B-B14F-4D97-AF65-F5344CB8AC3E}">
+        <p14:creationId xmlns:p14="http://schemas.microsoft.com/office/powerpoint/2010/main" val="4258916818"/>
+      </p:ext>
+    </p:extLst>
+  </p:cSld>
+  <p:clrMapOvr>
+    <a:masterClrMapping/>
+  </p:clrMapOvr>
+</p:sld>
+</file>
+
+<file path=ppt/slides/slide11.xml><?xml version="1.0" encoding="utf-8"?>
+<p:sld xmlns:a="http://schemas.openxmlformats.org/drawingml/2006/main" xmlns:r="http://schemas.openxmlformats.org/officeDocument/2006/relationships" xmlns:p="http://schemas.openxmlformats.org/presentationml/2006/main">
+  <p:cSld>
+    <p:spTree>
+      <p:nvGrpSpPr>
+        <p:cNvPr id="1" name=""/>
+        <p:cNvGrpSpPr/>
+        <p:nvPr/>
+      </p:nvGrpSpPr>
+      <p:grpSpPr>
+        <a:xfrm>
+          <a:off x="0" y="0"/>
+          <a:ext cx="0" cy="0"/>
+          <a:chOff x="0" y="0"/>
+          <a:chExt cx="0" cy="0"/>
+        </a:xfrm>
+      </p:grpSpPr>
+      <p:sp>
+        <p:nvSpPr>
+          <p:cNvPr id="2" name="Title 1">
+            <a:extLst>
+              <a:ext uri="{FF2B5EF4-FFF2-40B4-BE49-F238E27FC236}">
+                <a16:creationId xmlns:a16="http://schemas.microsoft.com/office/drawing/2014/main" id="{A3C24633-BAE2-BF26-3231-EF70B0573288}"/>
+              </a:ext>
+            </a:extLst>
+          </p:cNvPr>
+          <p:cNvSpPr>
+            <a:spLocks noGrp="1"/>
+          </p:cNvSpPr>
+          <p:nvPr>
+            <p:ph type="title"/>
+          </p:nvPr>
+        </p:nvSpPr>
+        <p:spPr/>
+        <p:txBody>
+          <a:bodyPr/>
+          <a:lstStyle/>
+          <a:p>
+            <a:r>
+              <a:rPr lang="en-US" dirty="0"/>
+              <a:t>Outcomes</a:t>
+            </a:r>
+          </a:p>
+        </p:txBody>
+      </p:sp>
+      <p:sp>
+        <p:nvSpPr>
+          <p:cNvPr id="5" name="TextBox 4">
+            <a:extLst>
+              <a:ext uri="{FF2B5EF4-FFF2-40B4-BE49-F238E27FC236}">
+                <a16:creationId xmlns:a16="http://schemas.microsoft.com/office/drawing/2014/main" id="{9939FB5D-A3FE-C20C-94B8-DE9FCD433C5C}"/>
+              </a:ext>
+            </a:extLst>
+          </p:cNvPr>
+          <p:cNvSpPr txBox="1"/>
+          <p:nvPr/>
+        </p:nvSpPr>
+        <p:spPr>
+          <a:xfrm>
+            <a:off x="3229232" y="2097184"/>
+            <a:ext cx="2653408" cy="2192203"/>
+          </a:xfrm>
+          <a:prstGeom prst="rect">
+            <a:avLst/>
+          </a:prstGeom>
+          <a:noFill/>
+        </p:spPr>
+        <p:txBody>
+          <a:bodyPr wrap="square">
+            <a:spAutoFit/>
+          </a:bodyPr>
+          <a:lstStyle>
+            <a:defPPr>
+              <a:defRPr lang="en-US"/>
+            </a:defPPr>
+            <a:lvl1pPr marL="0" algn="l" defTabSz="457200" rtl="0" eaLnBrk="1" latinLnBrk="0" hangingPunct="1">
+              <a:defRPr sz="1800" kern="1200">
+                <a:solidFill>
+                  <a:schemeClr val="tx1"/>
+                </a:solidFill>
+                <a:latin typeface="+mn-lt"/>
+                <a:ea typeface="+mn-ea"/>
+                <a:cs typeface="+mn-cs"/>
+              </a:defRPr>
+            </a:lvl1pPr>
+            <a:lvl2pPr marL="457200" algn="l" defTabSz="457200" rtl="0" eaLnBrk="1" latinLnBrk="0" hangingPunct="1">
+              <a:defRPr sz="1800" kern="1200">
+                <a:solidFill>
+                  <a:schemeClr val="tx1"/>
+                </a:solidFill>
+                <a:latin typeface="+mn-lt"/>
+                <a:ea typeface="+mn-ea"/>
+                <a:cs typeface="+mn-cs"/>
+              </a:defRPr>
+            </a:lvl2pPr>
+            <a:lvl3pPr marL="914400" algn="l" defTabSz="457200" rtl="0" eaLnBrk="1" latinLnBrk="0" hangingPunct="1">
+              <a:defRPr sz="1800" kern="1200">
+                <a:solidFill>
+                  <a:schemeClr val="tx1"/>
+                </a:solidFill>
+                <a:latin typeface="+mn-lt"/>
+                <a:ea typeface="+mn-ea"/>
+                <a:cs typeface="+mn-cs"/>
+              </a:defRPr>
+            </a:lvl3pPr>
+            <a:lvl4pPr marL="1371600" algn="l" defTabSz="457200" rtl="0" eaLnBrk="1" latinLnBrk="0" hangingPunct="1">
+              <a:defRPr sz="1800" kern="1200">
+                <a:solidFill>
+                  <a:schemeClr val="tx1"/>
+                </a:solidFill>
+                <a:latin typeface="+mn-lt"/>
+                <a:ea typeface="+mn-ea"/>
+                <a:cs typeface="+mn-cs"/>
+              </a:defRPr>
+            </a:lvl4pPr>
+            <a:lvl5pPr marL="1828800" algn="l" defTabSz="457200" rtl="0" eaLnBrk="1" latinLnBrk="0" hangingPunct="1">
+              <a:defRPr sz="1800" kern="1200">
+                <a:solidFill>
+                  <a:schemeClr val="tx1"/>
+                </a:solidFill>
+                <a:latin typeface="+mn-lt"/>
+                <a:ea typeface="+mn-ea"/>
+                <a:cs typeface="+mn-cs"/>
+              </a:defRPr>
+            </a:lvl5pPr>
+            <a:lvl6pPr marL="2286000" algn="l" defTabSz="457200" rtl="0" eaLnBrk="1" latinLnBrk="0" hangingPunct="1">
+              <a:defRPr sz="1800" kern="1200">
+                <a:solidFill>
+                  <a:schemeClr val="tx1"/>
+                </a:solidFill>
+                <a:latin typeface="+mn-lt"/>
+                <a:ea typeface="+mn-ea"/>
+                <a:cs typeface="+mn-cs"/>
+              </a:defRPr>
+            </a:lvl6pPr>
+            <a:lvl7pPr marL="2743200" algn="l" defTabSz="457200" rtl="0" eaLnBrk="1" latinLnBrk="0" hangingPunct="1">
+              <a:defRPr sz="1800" kern="1200">
+                <a:solidFill>
+                  <a:schemeClr val="tx1"/>
+                </a:solidFill>
+                <a:latin typeface="+mn-lt"/>
+                <a:ea typeface="+mn-ea"/>
+                <a:cs typeface="+mn-cs"/>
+              </a:defRPr>
+            </a:lvl7pPr>
+            <a:lvl8pPr marL="3200400" algn="l" defTabSz="457200" rtl="0" eaLnBrk="1" latinLnBrk="0" hangingPunct="1">
+              <a:defRPr sz="1800" kern="1200">
+                <a:solidFill>
+                  <a:schemeClr val="tx1"/>
+                </a:solidFill>
+                <a:latin typeface="+mn-lt"/>
+                <a:ea typeface="+mn-ea"/>
+                <a:cs typeface="+mn-cs"/>
+              </a:defRPr>
+            </a:lvl8pPr>
+            <a:lvl9pPr marL="3657600" algn="l" defTabSz="457200" rtl="0" eaLnBrk="1" latinLnBrk="0" hangingPunct="1">
+              <a:defRPr sz="1800" kern="1200">
+                <a:solidFill>
+                  <a:schemeClr val="tx1"/>
+                </a:solidFill>
+                <a:latin typeface="+mn-lt"/>
+                <a:ea typeface="+mn-ea"/>
+                <a:cs typeface="+mn-cs"/>
+              </a:defRPr>
+            </a:lvl9pPr>
+          </a:lstStyle>
+          <a:p>
+            <a:pPr>
+              <a:defRPr sz="1800" b="1">
+                <a:solidFill>
+                  <a:srgbClr val="006600"/>
+                </a:solidFill>
+              </a:defRPr>
+            </a:pPr>
+            <a:r>
+              <a:rPr dirty="0">
+                <a:solidFill>
+                  <a:schemeClr val="tx2"/>
+                </a:solidFill>
+              </a:rPr>
+              <a:t>Model Optimization</a:t>
+            </a:r>
+          </a:p>
+          <a:p>
+            <a:pPr>
+              <a:lnSpc>
+                <a:spcPct val="120000"/>
+              </a:lnSpc>
+              <a:spcBef>
+                <a:spcPts val="1000"/>
+              </a:spcBef>
+              <a:defRPr sz="1200"/>
+            </a:pPr>
+            <a:r>
+              <a:rPr sz="1200" dirty="0">
+                <a:effectLst>
+                  <a:outerShdw blurRad="50800" dist="38100" dir="2700000" algn="tl" rotWithShape="0">
+                    <a:srgbClr val="000000">
+                      <a:alpha val="48000"/>
+                    </a:srgbClr>
+                  </a:outerShdw>
+                </a:effectLst>
+              </a:rPr>
+              <a:t>✅ Reduced overfitting (Dropout, </a:t>
+            </a:r>
+            <a:r>
+              <a:rPr sz="1200" dirty="0" err="1">
+                <a:effectLst>
+                  <a:outerShdw blurRad="50800" dist="38100" dir="2700000" algn="tl" rotWithShape="0">
+                    <a:srgbClr val="000000">
+                      <a:alpha val="48000"/>
+                    </a:srgbClr>
+                  </a:outerShdw>
+                </a:effectLst>
+              </a:rPr>
+              <a:t>BatchNorm</a:t>
+            </a:r>
+            <a:r>
+              <a:rPr sz="1200" dirty="0">
+                <a:effectLst>
+                  <a:outerShdw blurRad="50800" dist="38100" dir="2700000" algn="tl" rotWithShape="0">
+                    <a:srgbClr val="000000">
+                      <a:alpha val="48000"/>
+                    </a:srgbClr>
+                  </a:outerShdw>
+                </a:effectLst>
+              </a:rPr>
+              <a:t>)</a:t>
+            </a:r>
+          </a:p>
+          <a:p>
+            <a:pPr>
+              <a:lnSpc>
+                <a:spcPct val="120000"/>
+              </a:lnSpc>
+              <a:spcBef>
+                <a:spcPts val="1000"/>
+              </a:spcBef>
+              <a:defRPr sz="1200"/>
+            </a:pPr>
+            <a:r>
+              <a:rPr sz="1200" dirty="0">
+                <a:effectLst>
+                  <a:outerShdw blurRad="50800" dist="38100" dir="2700000" algn="tl" rotWithShape="0">
+                    <a:srgbClr val="000000">
+                      <a:alpha val="48000"/>
+                    </a:srgbClr>
+                  </a:outerShdw>
+                </a:effectLst>
+              </a:rPr>
+              <a:t>✅ Stable convergence (Adam, LR tuning, </a:t>
+            </a:r>
+            <a:r>
+              <a:rPr sz="1200" dirty="0" err="1">
+                <a:effectLst>
+                  <a:outerShdw blurRad="50800" dist="38100" dir="2700000" algn="tl" rotWithShape="0">
+                    <a:srgbClr val="000000">
+                      <a:alpha val="48000"/>
+                    </a:srgbClr>
+                  </a:outerShdw>
+                </a:effectLst>
+              </a:rPr>
+              <a:t>EarlyStopping</a:t>
+            </a:r>
+            <a:r>
+              <a:rPr sz="1200" dirty="0">
+                <a:effectLst>
+                  <a:outerShdw blurRad="50800" dist="38100" dir="2700000" algn="tl" rotWithShape="0">
+                    <a:srgbClr val="000000">
+                      <a:alpha val="48000"/>
+                    </a:srgbClr>
+                  </a:outerShdw>
+                </a:effectLst>
+              </a:rPr>
+              <a:t>)</a:t>
+            </a:r>
+          </a:p>
+          <a:p>
+            <a:pPr>
+              <a:lnSpc>
+                <a:spcPct val="120000"/>
+              </a:lnSpc>
+              <a:spcBef>
+                <a:spcPts val="1000"/>
+              </a:spcBef>
+              <a:defRPr sz="1200"/>
+            </a:pPr>
+            <a:r>
+              <a:rPr sz="1200" dirty="0">
+                <a:effectLst>
+                  <a:outerShdw blurRad="50800" dist="38100" dir="2700000" algn="tl" rotWithShape="0">
+                    <a:srgbClr val="000000">
+                      <a:alpha val="48000"/>
+                    </a:srgbClr>
+                  </a:outerShdw>
+                </a:effectLst>
+              </a:rPr>
+              <a:t>✅ Improved generalization</a:t>
+            </a:r>
+          </a:p>
+          <a:p>
+            <a:pPr>
+              <a:lnSpc>
+                <a:spcPct val="120000"/>
+              </a:lnSpc>
+              <a:spcBef>
+                <a:spcPts val="1000"/>
+              </a:spcBef>
+              <a:defRPr sz="1200"/>
+            </a:pPr>
+            <a:r>
+              <a:rPr sz="1200" dirty="0">
+                <a:effectLst>
+                  <a:outerShdw blurRad="50800" dist="38100" dir="2700000" algn="tl" rotWithShape="0">
+                    <a:srgbClr val="000000">
+                      <a:alpha val="48000"/>
+                    </a:srgbClr>
+                  </a:outerShdw>
+                </a:effectLst>
+              </a:rPr>
+              <a:t>✅ Performance gains (RMSE)</a:t>
+            </a:r>
+          </a:p>
+        </p:txBody>
+      </p:sp>
+      <p:sp>
+        <p:nvSpPr>
+          <p:cNvPr id="6" name="TextBox 5">
+            <a:extLst>
+              <a:ext uri="{FF2B5EF4-FFF2-40B4-BE49-F238E27FC236}">
+                <a16:creationId xmlns:a16="http://schemas.microsoft.com/office/drawing/2014/main" id="{42F4C31C-A886-53C0-132F-C5871342C0A1}"/>
+              </a:ext>
+            </a:extLst>
+          </p:cNvPr>
+          <p:cNvSpPr txBox="1"/>
+          <p:nvPr/>
+        </p:nvSpPr>
+        <p:spPr>
+          <a:xfrm>
+            <a:off x="5882640" y="2097184"/>
+            <a:ext cx="3024110" cy="1749005"/>
+          </a:xfrm>
+          <a:prstGeom prst="rect">
+            <a:avLst/>
+          </a:prstGeom>
+          <a:noFill/>
+        </p:spPr>
+        <p:txBody>
+          <a:bodyPr wrap="square">
+            <a:spAutoFit/>
+          </a:bodyPr>
+          <a:lstStyle>
+            <a:defPPr>
+              <a:defRPr lang="en-US"/>
+            </a:defPPr>
+            <a:lvl1pPr marL="0" algn="l" defTabSz="457200" rtl="0" eaLnBrk="1" latinLnBrk="0" hangingPunct="1">
+              <a:defRPr sz="1800" kern="1200">
+                <a:solidFill>
+                  <a:schemeClr val="tx1"/>
+                </a:solidFill>
+                <a:latin typeface="+mn-lt"/>
+                <a:ea typeface="+mn-ea"/>
+                <a:cs typeface="+mn-cs"/>
+              </a:defRPr>
+            </a:lvl1pPr>
+            <a:lvl2pPr marL="457200" algn="l" defTabSz="457200" rtl="0" eaLnBrk="1" latinLnBrk="0" hangingPunct="1">
+              <a:defRPr sz="1800" kern="1200">
+                <a:solidFill>
+                  <a:schemeClr val="tx1"/>
+                </a:solidFill>
+                <a:latin typeface="+mn-lt"/>
+                <a:ea typeface="+mn-ea"/>
+                <a:cs typeface="+mn-cs"/>
+              </a:defRPr>
+            </a:lvl2pPr>
+            <a:lvl3pPr marL="914400" algn="l" defTabSz="457200" rtl="0" eaLnBrk="1" latinLnBrk="0" hangingPunct="1">
+              <a:defRPr sz="1800" kern="1200">
+                <a:solidFill>
+                  <a:schemeClr val="tx1"/>
+                </a:solidFill>
+                <a:latin typeface="+mn-lt"/>
+                <a:ea typeface="+mn-ea"/>
+                <a:cs typeface="+mn-cs"/>
+              </a:defRPr>
+            </a:lvl3pPr>
+            <a:lvl4pPr marL="1371600" algn="l" defTabSz="457200" rtl="0" eaLnBrk="1" latinLnBrk="0" hangingPunct="1">
+              <a:defRPr sz="1800" kern="1200">
+                <a:solidFill>
+                  <a:schemeClr val="tx1"/>
+                </a:solidFill>
+                <a:latin typeface="+mn-lt"/>
+                <a:ea typeface="+mn-ea"/>
+                <a:cs typeface="+mn-cs"/>
+              </a:defRPr>
+            </a:lvl4pPr>
+            <a:lvl5pPr marL="1828800" algn="l" defTabSz="457200" rtl="0" eaLnBrk="1" latinLnBrk="0" hangingPunct="1">
+              <a:defRPr sz="1800" kern="1200">
+                <a:solidFill>
+                  <a:schemeClr val="tx1"/>
+                </a:solidFill>
+                <a:latin typeface="+mn-lt"/>
+                <a:ea typeface="+mn-ea"/>
+                <a:cs typeface="+mn-cs"/>
+              </a:defRPr>
+            </a:lvl5pPr>
+            <a:lvl6pPr marL="2286000" algn="l" defTabSz="457200" rtl="0" eaLnBrk="1" latinLnBrk="0" hangingPunct="1">
+              <a:defRPr sz="1800" kern="1200">
+                <a:solidFill>
+                  <a:schemeClr val="tx1"/>
+                </a:solidFill>
+                <a:latin typeface="+mn-lt"/>
+                <a:ea typeface="+mn-ea"/>
+                <a:cs typeface="+mn-cs"/>
+              </a:defRPr>
+            </a:lvl6pPr>
+            <a:lvl7pPr marL="2743200" algn="l" defTabSz="457200" rtl="0" eaLnBrk="1" latinLnBrk="0" hangingPunct="1">
+              <a:defRPr sz="1800" kern="1200">
+                <a:solidFill>
+                  <a:schemeClr val="tx1"/>
+                </a:solidFill>
+                <a:latin typeface="+mn-lt"/>
+                <a:ea typeface="+mn-ea"/>
+                <a:cs typeface="+mn-cs"/>
+              </a:defRPr>
+            </a:lvl7pPr>
+            <a:lvl8pPr marL="3200400" algn="l" defTabSz="457200" rtl="0" eaLnBrk="1" latinLnBrk="0" hangingPunct="1">
+              <a:defRPr sz="1800" kern="1200">
+                <a:solidFill>
+                  <a:schemeClr val="tx1"/>
+                </a:solidFill>
+                <a:latin typeface="+mn-lt"/>
+                <a:ea typeface="+mn-ea"/>
+                <a:cs typeface="+mn-cs"/>
+              </a:defRPr>
+            </a:lvl8pPr>
+            <a:lvl9pPr marL="3657600" algn="l" defTabSz="457200" rtl="0" eaLnBrk="1" latinLnBrk="0" hangingPunct="1">
+              <a:defRPr sz="1800" kern="1200">
+                <a:solidFill>
+                  <a:schemeClr val="tx1"/>
+                </a:solidFill>
+                <a:latin typeface="+mn-lt"/>
+                <a:ea typeface="+mn-ea"/>
+                <a:cs typeface="+mn-cs"/>
+              </a:defRPr>
+            </a:lvl9pPr>
+          </a:lstStyle>
+          <a:p>
+            <a:pPr>
+              <a:defRPr sz="1800" b="1">
+                <a:solidFill>
+                  <a:srgbClr val="006600"/>
+                </a:solidFill>
+              </a:defRPr>
+            </a:pPr>
+            <a:r>
+              <a:rPr dirty="0">
+                <a:solidFill>
+                  <a:schemeClr val="tx2"/>
+                </a:solidFill>
+              </a:rPr>
+              <a:t>Explainability</a:t>
+            </a:r>
+          </a:p>
+          <a:p>
+            <a:pPr>
+              <a:lnSpc>
+                <a:spcPct val="120000"/>
+              </a:lnSpc>
+              <a:spcBef>
+                <a:spcPts val="1000"/>
+              </a:spcBef>
+              <a:defRPr sz="1200"/>
+            </a:pPr>
+            <a:r>
+              <a:rPr sz="1200" dirty="0">
+                <a:effectLst>
+                  <a:outerShdw blurRad="50800" dist="38100" dir="2700000" algn="tl" rotWithShape="0">
+                    <a:srgbClr val="000000">
+                      <a:alpha val="48000"/>
+                    </a:srgbClr>
+                  </a:outerShdw>
+                </a:effectLst>
+              </a:rPr>
+              <a:t>✅ Global insights (SHAP summary)</a:t>
+            </a:r>
+          </a:p>
+          <a:p>
+            <a:pPr>
+              <a:lnSpc>
+                <a:spcPct val="120000"/>
+              </a:lnSpc>
+              <a:spcBef>
+                <a:spcPts val="1000"/>
+              </a:spcBef>
+              <a:defRPr sz="1200"/>
+            </a:pPr>
+            <a:r>
+              <a:rPr sz="1200" dirty="0">
+                <a:effectLst>
+                  <a:outerShdw blurRad="50800" dist="38100" dir="2700000" algn="tl" rotWithShape="0">
+                    <a:srgbClr val="000000">
+                      <a:alpha val="48000"/>
+                    </a:srgbClr>
+                  </a:outerShdw>
+                </a:effectLst>
+              </a:rPr>
+              <a:t>✅ Local insights (SHAP waterfall)</a:t>
+            </a:r>
+          </a:p>
+          <a:p>
+            <a:pPr>
+              <a:lnSpc>
+                <a:spcPct val="120000"/>
+              </a:lnSpc>
+              <a:spcBef>
+                <a:spcPts val="1000"/>
+              </a:spcBef>
+              <a:defRPr sz="1200"/>
+            </a:pPr>
+            <a:r>
+              <a:rPr sz="1200" dirty="0">
+                <a:effectLst>
+                  <a:outerShdw blurRad="50800" dist="38100" dir="2700000" algn="tl" rotWithShape="0">
+                    <a:srgbClr val="000000">
+                      <a:alpha val="48000"/>
+                    </a:srgbClr>
+                  </a:outerShdw>
+                </a:effectLst>
+              </a:rPr>
+              <a:t>✅ Transparency for stakeholders</a:t>
+            </a:r>
+          </a:p>
+          <a:p>
+            <a:pPr>
+              <a:lnSpc>
+                <a:spcPct val="120000"/>
+              </a:lnSpc>
+              <a:spcBef>
+                <a:spcPts val="1000"/>
+              </a:spcBef>
+              <a:defRPr sz="1200"/>
+            </a:pPr>
+            <a:r>
+              <a:rPr sz="1200" dirty="0">
+                <a:effectLst>
+                  <a:outerShdw blurRad="50800" dist="38100" dir="2700000" algn="tl" rotWithShape="0">
+                    <a:srgbClr val="000000">
+                      <a:alpha val="48000"/>
+                    </a:srgbClr>
+                  </a:outerShdw>
+                </a:effectLst>
+              </a:rPr>
+              <a:t>✅ Fairness checks</a:t>
+            </a:r>
+          </a:p>
+        </p:txBody>
+      </p:sp>
+      <p:sp>
+        <p:nvSpPr>
+          <p:cNvPr id="7" name="TextBox 6">
+            <a:extLst>
+              <a:ext uri="{FF2B5EF4-FFF2-40B4-BE49-F238E27FC236}">
+                <a16:creationId xmlns:a16="http://schemas.microsoft.com/office/drawing/2014/main" id="{05A31F75-E755-4FF2-5329-2C3C8436CCE7}"/>
+              </a:ext>
+            </a:extLst>
+          </p:cNvPr>
+          <p:cNvSpPr txBox="1"/>
+          <p:nvPr/>
+        </p:nvSpPr>
+        <p:spPr>
+          <a:xfrm>
+            <a:off x="8607717" y="2097184"/>
+            <a:ext cx="2659839" cy="1970604"/>
+          </a:xfrm>
+          <a:prstGeom prst="rect">
+            <a:avLst/>
+          </a:prstGeom>
+          <a:noFill/>
+        </p:spPr>
+        <p:txBody>
+          <a:bodyPr wrap="square">
+            <a:spAutoFit/>
+          </a:bodyPr>
+          <a:lstStyle>
+            <a:defPPr>
+              <a:defRPr lang="en-US"/>
+            </a:defPPr>
+            <a:lvl1pPr marL="0" algn="l" defTabSz="457200" rtl="0" eaLnBrk="1" latinLnBrk="0" hangingPunct="1">
+              <a:defRPr sz="1800" kern="1200">
+                <a:solidFill>
+                  <a:schemeClr val="tx1"/>
+                </a:solidFill>
+                <a:latin typeface="+mn-lt"/>
+                <a:ea typeface="+mn-ea"/>
+                <a:cs typeface="+mn-cs"/>
+              </a:defRPr>
+            </a:lvl1pPr>
+            <a:lvl2pPr marL="457200" algn="l" defTabSz="457200" rtl="0" eaLnBrk="1" latinLnBrk="0" hangingPunct="1">
+              <a:defRPr sz="1800" kern="1200">
+                <a:solidFill>
+                  <a:schemeClr val="tx1"/>
+                </a:solidFill>
+                <a:latin typeface="+mn-lt"/>
+                <a:ea typeface="+mn-ea"/>
+                <a:cs typeface="+mn-cs"/>
+              </a:defRPr>
+            </a:lvl2pPr>
+            <a:lvl3pPr marL="914400" algn="l" defTabSz="457200" rtl="0" eaLnBrk="1" latinLnBrk="0" hangingPunct="1">
+              <a:defRPr sz="1800" kern="1200">
+                <a:solidFill>
+                  <a:schemeClr val="tx1"/>
+                </a:solidFill>
+                <a:latin typeface="+mn-lt"/>
+                <a:ea typeface="+mn-ea"/>
+                <a:cs typeface="+mn-cs"/>
+              </a:defRPr>
+            </a:lvl3pPr>
+            <a:lvl4pPr marL="1371600" algn="l" defTabSz="457200" rtl="0" eaLnBrk="1" latinLnBrk="0" hangingPunct="1">
+              <a:defRPr sz="1800" kern="1200">
+                <a:solidFill>
+                  <a:schemeClr val="tx1"/>
+                </a:solidFill>
+                <a:latin typeface="+mn-lt"/>
+                <a:ea typeface="+mn-ea"/>
+                <a:cs typeface="+mn-cs"/>
+              </a:defRPr>
+            </a:lvl4pPr>
+            <a:lvl5pPr marL="1828800" algn="l" defTabSz="457200" rtl="0" eaLnBrk="1" latinLnBrk="0" hangingPunct="1">
+              <a:defRPr sz="1800" kern="1200">
+                <a:solidFill>
+                  <a:schemeClr val="tx1"/>
+                </a:solidFill>
+                <a:latin typeface="+mn-lt"/>
+                <a:ea typeface="+mn-ea"/>
+                <a:cs typeface="+mn-cs"/>
+              </a:defRPr>
+            </a:lvl5pPr>
+            <a:lvl6pPr marL="2286000" algn="l" defTabSz="457200" rtl="0" eaLnBrk="1" latinLnBrk="0" hangingPunct="1">
+              <a:defRPr sz="1800" kern="1200">
+                <a:solidFill>
+                  <a:schemeClr val="tx1"/>
+                </a:solidFill>
+                <a:latin typeface="+mn-lt"/>
+                <a:ea typeface="+mn-ea"/>
+                <a:cs typeface="+mn-cs"/>
+              </a:defRPr>
+            </a:lvl6pPr>
+            <a:lvl7pPr marL="2743200" algn="l" defTabSz="457200" rtl="0" eaLnBrk="1" latinLnBrk="0" hangingPunct="1">
+              <a:defRPr sz="1800" kern="1200">
+                <a:solidFill>
+                  <a:schemeClr val="tx1"/>
+                </a:solidFill>
+                <a:latin typeface="+mn-lt"/>
+                <a:ea typeface="+mn-ea"/>
+                <a:cs typeface="+mn-cs"/>
+              </a:defRPr>
+            </a:lvl7pPr>
+            <a:lvl8pPr marL="3200400" algn="l" defTabSz="457200" rtl="0" eaLnBrk="1" latinLnBrk="0" hangingPunct="1">
+              <a:defRPr sz="1800" kern="1200">
+                <a:solidFill>
+                  <a:schemeClr val="tx1"/>
+                </a:solidFill>
+                <a:latin typeface="+mn-lt"/>
+                <a:ea typeface="+mn-ea"/>
+                <a:cs typeface="+mn-cs"/>
+              </a:defRPr>
+            </a:lvl8pPr>
+            <a:lvl9pPr marL="3657600" algn="l" defTabSz="457200" rtl="0" eaLnBrk="1" latinLnBrk="0" hangingPunct="1">
+              <a:defRPr sz="1800" kern="1200">
+                <a:solidFill>
+                  <a:schemeClr val="tx1"/>
+                </a:solidFill>
+                <a:latin typeface="+mn-lt"/>
+                <a:ea typeface="+mn-ea"/>
+                <a:cs typeface="+mn-cs"/>
+              </a:defRPr>
+            </a:lvl9pPr>
+          </a:lstStyle>
+          <a:p>
+            <a:pPr>
+              <a:defRPr sz="1800" b="1">
+                <a:solidFill>
+                  <a:srgbClr val="006600"/>
+                </a:solidFill>
+              </a:defRPr>
+            </a:pPr>
+            <a:r>
+              <a:rPr dirty="0">
+                <a:solidFill>
+                  <a:schemeClr val="tx2"/>
+                </a:solidFill>
+              </a:rPr>
+              <a:t>Business Value</a:t>
+            </a:r>
+          </a:p>
+          <a:p>
+            <a:pPr>
+              <a:lnSpc>
+                <a:spcPct val="120000"/>
+              </a:lnSpc>
+              <a:spcBef>
+                <a:spcPts val="1000"/>
+              </a:spcBef>
+              <a:defRPr sz="1200"/>
+            </a:pPr>
+            <a:r>
+              <a:rPr sz="1200" dirty="0">
+                <a:effectLst>
+                  <a:outerShdw blurRad="50800" dist="38100" dir="2700000" algn="tl" rotWithShape="0">
+                    <a:srgbClr val="000000">
+                      <a:alpha val="48000"/>
+                    </a:srgbClr>
+                  </a:outerShdw>
+                </a:effectLst>
+              </a:rPr>
+              <a:t>✅ Trust in AI decisions</a:t>
+            </a:r>
+          </a:p>
+          <a:p>
+            <a:pPr>
+              <a:lnSpc>
+                <a:spcPct val="120000"/>
+              </a:lnSpc>
+              <a:spcBef>
+                <a:spcPts val="1000"/>
+              </a:spcBef>
+              <a:defRPr sz="1200"/>
+            </a:pPr>
+            <a:r>
+              <a:rPr sz="1200" dirty="0">
+                <a:effectLst>
+                  <a:outerShdw blurRad="50800" dist="38100" dir="2700000" algn="tl" rotWithShape="0">
+                    <a:srgbClr val="000000">
+                      <a:alpha val="48000"/>
+                    </a:srgbClr>
+                  </a:outerShdw>
+                </a:effectLst>
+              </a:rPr>
+              <a:t>✅ Better decision-making</a:t>
+            </a:r>
+          </a:p>
+          <a:p>
+            <a:pPr>
+              <a:lnSpc>
+                <a:spcPct val="120000"/>
+              </a:lnSpc>
+              <a:spcBef>
+                <a:spcPts val="1000"/>
+              </a:spcBef>
+              <a:defRPr sz="1200"/>
+            </a:pPr>
+            <a:r>
+              <a:rPr sz="1200" dirty="0">
+                <a:effectLst>
+                  <a:outerShdw blurRad="50800" dist="38100" dir="2700000" algn="tl" rotWithShape="0">
+                    <a:srgbClr val="000000">
+                      <a:alpha val="48000"/>
+                    </a:srgbClr>
+                  </a:outerShdw>
+                </a:effectLst>
+              </a:rPr>
+              <a:t>✅ Efficiency &amp; reduced training time</a:t>
+            </a:r>
+          </a:p>
+          <a:p>
+            <a:pPr>
+              <a:lnSpc>
+                <a:spcPct val="120000"/>
+              </a:lnSpc>
+              <a:spcBef>
+                <a:spcPts val="1000"/>
+              </a:spcBef>
+              <a:defRPr sz="1200"/>
+            </a:pPr>
+            <a:r>
+              <a:rPr sz="1200" dirty="0">
+                <a:effectLst>
+                  <a:outerShdw blurRad="50800" dist="38100" dir="2700000" algn="tl" rotWithShape="0">
+                    <a:srgbClr val="000000">
+                      <a:alpha val="48000"/>
+                    </a:srgbClr>
+                  </a:outerShdw>
+                </a:effectLst>
+              </a:rPr>
+              <a:t>✅ Scalable &amp; deployable model</a:t>
+            </a:r>
+          </a:p>
+        </p:txBody>
+      </p:sp>
+      <p:sp>
+        <p:nvSpPr>
+          <p:cNvPr id="8" name="TextBox 3">
+            <a:extLst>
+              <a:ext uri="{FF2B5EF4-FFF2-40B4-BE49-F238E27FC236}">
+                <a16:creationId xmlns:a16="http://schemas.microsoft.com/office/drawing/2014/main" id="{E21D5DF5-FE6B-74B4-17D5-C6976DFE4F2B}"/>
+              </a:ext>
+            </a:extLst>
+          </p:cNvPr>
+          <p:cNvSpPr txBox="1"/>
+          <p:nvPr/>
+        </p:nvSpPr>
+        <p:spPr>
+          <a:xfrm>
+            <a:off x="913795" y="2097184"/>
+            <a:ext cx="2315437" cy="1620765"/>
+          </a:xfrm>
+          <a:prstGeom prst="rect">
+            <a:avLst/>
+          </a:prstGeom>
+          <a:noFill/>
+        </p:spPr>
+        <p:txBody>
+          <a:bodyPr wrap="square">
+            <a:spAutoFit/>
+          </a:bodyPr>
+          <a:lstStyle>
+            <a:defPPr>
+              <a:defRPr lang="en-US"/>
+            </a:defPPr>
+            <a:lvl1pPr marL="0" algn="l" defTabSz="457200" rtl="0" eaLnBrk="1" latinLnBrk="0" hangingPunct="1">
+              <a:defRPr sz="1800" kern="1200">
+                <a:solidFill>
+                  <a:schemeClr val="tx1"/>
+                </a:solidFill>
+                <a:latin typeface="+mn-lt"/>
+                <a:ea typeface="+mn-ea"/>
+                <a:cs typeface="+mn-cs"/>
+              </a:defRPr>
+            </a:lvl1pPr>
+            <a:lvl2pPr marL="457200" algn="l" defTabSz="457200" rtl="0" eaLnBrk="1" latinLnBrk="0" hangingPunct="1">
+              <a:defRPr sz="1800" kern="1200">
+                <a:solidFill>
+                  <a:schemeClr val="tx1"/>
+                </a:solidFill>
+                <a:latin typeface="+mn-lt"/>
+                <a:ea typeface="+mn-ea"/>
+                <a:cs typeface="+mn-cs"/>
+              </a:defRPr>
+            </a:lvl2pPr>
+            <a:lvl3pPr marL="914400" algn="l" defTabSz="457200" rtl="0" eaLnBrk="1" latinLnBrk="0" hangingPunct="1">
+              <a:defRPr sz="1800" kern="1200">
+                <a:solidFill>
+                  <a:schemeClr val="tx1"/>
+                </a:solidFill>
+                <a:latin typeface="+mn-lt"/>
+                <a:ea typeface="+mn-ea"/>
+                <a:cs typeface="+mn-cs"/>
+              </a:defRPr>
+            </a:lvl3pPr>
+            <a:lvl4pPr marL="1371600" algn="l" defTabSz="457200" rtl="0" eaLnBrk="1" latinLnBrk="0" hangingPunct="1">
+              <a:defRPr sz="1800" kern="1200">
+                <a:solidFill>
+                  <a:schemeClr val="tx1"/>
+                </a:solidFill>
+                <a:latin typeface="+mn-lt"/>
+                <a:ea typeface="+mn-ea"/>
+                <a:cs typeface="+mn-cs"/>
+              </a:defRPr>
+            </a:lvl4pPr>
+            <a:lvl5pPr marL="1828800" algn="l" defTabSz="457200" rtl="0" eaLnBrk="1" latinLnBrk="0" hangingPunct="1">
+              <a:defRPr sz="1800" kern="1200">
+                <a:solidFill>
+                  <a:schemeClr val="tx1"/>
+                </a:solidFill>
+                <a:latin typeface="+mn-lt"/>
+                <a:ea typeface="+mn-ea"/>
+                <a:cs typeface="+mn-cs"/>
+              </a:defRPr>
+            </a:lvl5pPr>
+            <a:lvl6pPr marL="2286000" algn="l" defTabSz="457200" rtl="0" eaLnBrk="1" latinLnBrk="0" hangingPunct="1">
+              <a:defRPr sz="1800" kern="1200">
+                <a:solidFill>
+                  <a:schemeClr val="tx1"/>
+                </a:solidFill>
+                <a:latin typeface="+mn-lt"/>
+                <a:ea typeface="+mn-ea"/>
+                <a:cs typeface="+mn-cs"/>
+              </a:defRPr>
+            </a:lvl6pPr>
+            <a:lvl7pPr marL="2743200" algn="l" defTabSz="457200" rtl="0" eaLnBrk="1" latinLnBrk="0" hangingPunct="1">
+              <a:defRPr sz="1800" kern="1200">
+                <a:solidFill>
+                  <a:schemeClr val="tx1"/>
+                </a:solidFill>
+                <a:latin typeface="+mn-lt"/>
+                <a:ea typeface="+mn-ea"/>
+                <a:cs typeface="+mn-cs"/>
+              </a:defRPr>
+            </a:lvl7pPr>
+            <a:lvl8pPr marL="3200400" algn="l" defTabSz="457200" rtl="0" eaLnBrk="1" latinLnBrk="0" hangingPunct="1">
+              <a:defRPr sz="1800" kern="1200">
+                <a:solidFill>
+                  <a:schemeClr val="tx1"/>
+                </a:solidFill>
+                <a:latin typeface="+mn-lt"/>
+                <a:ea typeface="+mn-ea"/>
+                <a:cs typeface="+mn-cs"/>
+              </a:defRPr>
+            </a:lvl8pPr>
+            <a:lvl9pPr marL="3657600" algn="l" defTabSz="457200" rtl="0" eaLnBrk="1" latinLnBrk="0" hangingPunct="1">
+              <a:defRPr sz="1800" kern="1200">
+                <a:solidFill>
+                  <a:schemeClr val="tx1"/>
+                </a:solidFill>
+                <a:latin typeface="+mn-lt"/>
+                <a:ea typeface="+mn-ea"/>
+                <a:cs typeface="+mn-cs"/>
+              </a:defRPr>
+            </a:lvl9pPr>
+          </a:lstStyle>
+          <a:p>
+            <a:pPr>
+              <a:defRPr sz="1800" b="1">
+                <a:solidFill>
+                  <a:srgbClr val="006600"/>
+                </a:solidFill>
+              </a:defRPr>
+            </a:pPr>
+            <a:r>
+              <a:rPr dirty="0">
+                <a:solidFill>
+                  <a:schemeClr val="tx2"/>
+                </a:solidFill>
+              </a:rPr>
+              <a:t>Model Training</a:t>
+            </a:r>
+          </a:p>
+          <a:p>
+            <a:pPr>
+              <a:lnSpc>
+                <a:spcPct val="120000"/>
+              </a:lnSpc>
+              <a:spcBef>
+                <a:spcPts val="1000"/>
+              </a:spcBef>
+              <a:defRPr sz="1200"/>
+            </a:pPr>
+            <a:r>
+              <a:rPr sz="1200" dirty="0">
+                <a:effectLst>
+                  <a:outerShdw blurRad="50800" dist="38100" dir="2700000" algn="tl" rotWithShape="0">
+                    <a:srgbClr val="000000">
+                      <a:alpha val="48000"/>
+                    </a:srgbClr>
+                  </a:outerShdw>
+                </a:effectLst>
+              </a:rPr>
+              <a:t>✅ Baseline model created</a:t>
+            </a:r>
+          </a:p>
+          <a:p>
+            <a:pPr>
+              <a:lnSpc>
+                <a:spcPct val="120000"/>
+              </a:lnSpc>
+              <a:spcBef>
+                <a:spcPts val="1000"/>
+              </a:spcBef>
+              <a:defRPr sz="1200"/>
+            </a:pPr>
+            <a:r>
+              <a:rPr sz="1200" dirty="0">
+                <a:effectLst>
+                  <a:outerShdw blurRad="50800" dist="38100" dir="2700000" algn="tl" rotWithShape="0">
+                    <a:srgbClr val="000000">
+                      <a:alpha val="48000"/>
+                    </a:srgbClr>
+                  </a:outerShdw>
+                </a:effectLst>
+              </a:rPr>
+              <a:t>✅ Achieved working accuracy/loss</a:t>
+            </a:r>
+          </a:p>
+          <a:p>
+            <a:pPr>
+              <a:lnSpc>
+                <a:spcPct val="120000"/>
+              </a:lnSpc>
+              <a:spcBef>
+                <a:spcPts val="1000"/>
+              </a:spcBef>
+              <a:defRPr sz="1200"/>
+            </a:pPr>
+            <a:r>
+              <a:rPr sz="1200" dirty="0">
+                <a:effectLst>
+                  <a:outerShdw blurRad="50800" dist="38100" dir="2700000" algn="tl" rotWithShape="0">
+                    <a:srgbClr val="000000">
+                      <a:alpha val="48000"/>
+                    </a:srgbClr>
+                  </a:outerShdw>
+                </a:effectLst>
+              </a:rPr>
+              <a:t>✅ Data patterns identified</a:t>
+            </a:r>
+          </a:p>
+        </p:txBody>
+      </p:sp>
+    </p:spTree>
+    <p:extLst>
+      <p:ext uri="{BB962C8B-B14F-4D97-AF65-F5344CB8AC3E}">
+        <p14:creationId xmlns:p14="http://schemas.microsoft.com/office/powerpoint/2010/main" val="763395180"/>
+      </p:ext>
+    </p:extLst>
+  </p:cSld>
+  <p:clrMapOvr>
+    <a:masterClrMapping/>
+  </p:clrMapOvr>
+</p:sld>
+</file>
+
+<file path=ppt/slides/slide12.xml><?xml version="1.0" encoding="utf-8"?>
+<p:sld xmlns:a="http://schemas.openxmlformats.org/drawingml/2006/main" xmlns:r="http://schemas.openxmlformats.org/officeDocument/2006/relationships" xmlns:p="http://schemas.openxmlformats.org/presentationml/2006/main">
+  <p:cSld>
+    <p:spTree>
+      <p:nvGrpSpPr>
+        <p:cNvPr id="1" name=""/>
+        <p:cNvGrpSpPr/>
+        <p:nvPr/>
+      </p:nvGrpSpPr>
+      <p:grpSpPr>
+        <a:xfrm>
+          <a:off x="0" y="0"/>
+          <a:ext cx="0" cy="0"/>
+          <a:chOff x="0" y="0"/>
+          <a:chExt cx="0" cy="0"/>
+        </a:xfrm>
+      </p:grpSpPr>
+      <p:sp>
+        <p:nvSpPr>
+          <p:cNvPr id="2" name="Title 1">
+            <a:extLst>
+              <a:ext uri="{FF2B5EF4-FFF2-40B4-BE49-F238E27FC236}">
+                <a16:creationId xmlns:a16="http://schemas.microsoft.com/office/drawing/2014/main" id="{CBFD4A1E-0A2A-6DBE-EE27-C5791280BF36}"/>
+              </a:ext>
+            </a:extLst>
+          </p:cNvPr>
+          <p:cNvSpPr>
+            <a:spLocks noGrp="1"/>
+          </p:cNvSpPr>
+          <p:nvPr>
+            <p:ph type="title"/>
+          </p:nvPr>
+        </p:nvSpPr>
+        <p:spPr/>
+        <p:txBody>
+          <a:bodyPr/>
+          <a:lstStyle/>
+          <a:p>
+            <a:r>
+              <a:rPr lang="en-US" dirty="0"/>
+              <a:t>Outcomes</a:t>
+            </a:r>
+          </a:p>
+        </p:txBody>
+      </p:sp>
+      <p:sp>
+        <p:nvSpPr>
+          <p:cNvPr id="3" name="Content Placeholder 2">
+            <a:extLst>
+              <a:ext uri="{FF2B5EF4-FFF2-40B4-BE49-F238E27FC236}">
+                <a16:creationId xmlns:a16="http://schemas.microsoft.com/office/drawing/2014/main" id="{248B0B69-FD12-985A-B841-614C8A4930AD}"/>
+              </a:ext>
+            </a:extLst>
+          </p:cNvPr>
+          <p:cNvSpPr>
+            <a:spLocks noGrp="1"/>
+          </p:cNvSpPr>
+          <p:nvPr>
+            <p:ph idx="1"/>
+          </p:nvPr>
+        </p:nvSpPr>
+        <p:spPr/>
+        <p:txBody>
+          <a:bodyPr/>
+          <a:lstStyle/>
+          <a:p>
+            <a:r>
+              <a:rPr lang="en-US" dirty="0"/>
+              <a:t>Salary Negotiations: HR’s can negotiate competitive salary ranges with candidates based on AI predictions</a:t>
+            </a:r>
+          </a:p>
+          <a:p>
+            <a:r>
+              <a:rPr lang="en-US" dirty="0"/>
+              <a:t>Budget Planning: Forecast hiring costs and understand investment requirements for qualified talent</a:t>
+            </a:r>
+          </a:p>
+          <a:p>
+            <a:r>
+              <a:rPr lang="en-US" dirty="0"/>
+              <a:t>Vendor Management: Optimize deals with outsource companies using data-driven salary benchmarks</a:t>
+            </a:r>
+          </a:p>
+          <a:p>
+            <a:r>
+              <a:rPr lang="en-US" dirty="0"/>
+              <a:t>Market Intelligence: Gain insights into candidate expectations across different experience levels</a:t>
+            </a:r>
+          </a:p>
+        </p:txBody>
+      </p:sp>
+    </p:spTree>
+    <p:extLst>
+      <p:ext uri="{BB962C8B-B14F-4D97-AF65-F5344CB8AC3E}">
+        <p14:creationId xmlns:p14="http://schemas.microsoft.com/office/powerpoint/2010/main" val="723222597"/>
+      </p:ext>
+    </p:extLst>
+  </p:cSld>
+  <p:clrMapOvr>
+    <a:masterClrMapping/>
+  </p:clrMapOvr>
+</p:sld>
+</file>
+
+<file path=ppt/slides/slide13.xml><?xml version="1.0" encoding="utf-8"?>
+<p:sld xmlns:a="http://schemas.openxmlformats.org/drawingml/2006/main" xmlns:r="http://schemas.openxmlformats.org/officeDocument/2006/relationships" xmlns:p="http://schemas.openxmlformats.org/presentationml/2006/main">
+  <p:cSld>
+    <p:spTree>
+      <p:nvGrpSpPr>
+        <p:cNvPr id="1" name=""/>
+        <p:cNvGrpSpPr/>
+        <p:nvPr/>
+      </p:nvGrpSpPr>
+      <p:grpSpPr>
+        <a:xfrm>
+          <a:off x="0" y="0"/>
+          <a:ext cx="0" cy="0"/>
+          <a:chOff x="0" y="0"/>
+          <a:chExt cx="0" cy="0"/>
+        </a:xfrm>
+      </p:grpSpPr>
+      <p:sp>
+        <p:nvSpPr>
+          <p:cNvPr id="2" name="Title 1">
+            <a:extLst>
+              <a:ext uri="{FF2B5EF4-FFF2-40B4-BE49-F238E27FC236}">
+                <a16:creationId xmlns:a16="http://schemas.microsoft.com/office/drawing/2014/main" id="{E7557B35-E37D-BE98-7D0A-D74DDB5B6A7C}"/>
+              </a:ext>
+            </a:extLst>
+          </p:cNvPr>
+          <p:cNvSpPr>
+            <a:spLocks noGrp="1"/>
+          </p:cNvSpPr>
+          <p:nvPr>
+            <p:ph type="title"/>
+          </p:nvPr>
+        </p:nvSpPr>
+        <p:spPr/>
+        <p:txBody>
+          <a:bodyPr/>
+          <a:lstStyle/>
+          <a:p>
+            <a:r>
+              <a:rPr lang="en-US" dirty="0"/>
+              <a:t>Key Benefits</a:t>
+            </a:r>
+          </a:p>
+        </p:txBody>
+      </p:sp>
+      <p:sp>
+        <p:nvSpPr>
+          <p:cNvPr id="3" name="Content Placeholder 2">
+            <a:extLst>
+              <a:ext uri="{FF2B5EF4-FFF2-40B4-BE49-F238E27FC236}">
+                <a16:creationId xmlns:a16="http://schemas.microsoft.com/office/drawing/2014/main" id="{1C6B3CAD-C0E0-772D-44C7-15BD7D2C4266}"/>
+              </a:ext>
+            </a:extLst>
+          </p:cNvPr>
+          <p:cNvSpPr>
+            <a:spLocks noGrp="1"/>
+          </p:cNvSpPr>
+          <p:nvPr>
+            <p:ph idx="1"/>
+          </p:nvPr>
+        </p:nvSpPr>
+        <p:spPr/>
+        <p:txBody>
+          <a:bodyPr/>
+          <a:lstStyle/>
+          <a:p>
+            <a:r>
+              <a:rPr lang="en-US" dirty="0"/>
+              <a:t>Data driven decision making for salary offers</a:t>
+            </a:r>
+          </a:p>
+          <a:p>
+            <a:r>
+              <a:rPr lang="en-US" dirty="0"/>
+              <a:t>Competitive positioning in talent acquisition</a:t>
+            </a:r>
+          </a:p>
+          <a:p>
+            <a:r>
+              <a:rPr lang="en-US" dirty="0"/>
+              <a:t>Reduced negotiation time and improved efficiency</a:t>
+            </a:r>
+          </a:p>
+          <a:p>
+            <a:r>
+              <a:rPr lang="en-US" dirty="0"/>
+              <a:t>Better budget forecasting and cost control</a:t>
+            </a:r>
+          </a:p>
+          <a:p>
+            <a:r>
+              <a:rPr lang="en-US" dirty="0"/>
+              <a:t>Scalable across different roles and locations</a:t>
+            </a:r>
+          </a:p>
+          <a:p>
+            <a:r>
+              <a:rPr lang="en-US" dirty="0"/>
+              <a:t>Explainable decisions</a:t>
+            </a:r>
+          </a:p>
+          <a:p>
+            <a:pPr marL="0" indent="0">
+              <a:buNone/>
+            </a:pPr>
+            <a:endParaRPr lang="en-US" dirty="0"/>
+          </a:p>
+        </p:txBody>
+      </p:sp>
+    </p:spTree>
+    <p:extLst>
+      <p:ext uri="{BB962C8B-B14F-4D97-AF65-F5344CB8AC3E}">
+        <p14:creationId xmlns:p14="http://schemas.microsoft.com/office/powerpoint/2010/main" val="582643493"/>
+      </p:ext>
+    </p:extLst>
+  </p:cSld>
+  <p:clrMapOvr>
+    <a:masterClrMapping/>
+  </p:clrMapOvr>
+</p:sld>
+</file>
+
+<file path=ppt/slides/slide14.xml><?xml version="1.0" encoding="utf-8"?>
+<p:sld xmlns:a="http://schemas.openxmlformats.org/drawingml/2006/main" xmlns:r="http://schemas.openxmlformats.org/officeDocument/2006/relationships" xmlns:p="http://schemas.openxmlformats.org/presentationml/2006/main">
+  <p:cSld>
+    <p:spTree>
+      <p:nvGrpSpPr>
+        <p:cNvPr id="1" name=""/>
+        <p:cNvGrpSpPr/>
+        <p:nvPr/>
+      </p:nvGrpSpPr>
+      <p:grpSpPr>
+        <a:xfrm>
+          <a:off x="0" y="0"/>
+          <a:ext cx="0" cy="0"/>
+          <a:chOff x="0" y="0"/>
+          <a:chExt cx="0" cy="0"/>
+        </a:xfrm>
+      </p:grpSpPr>
+      <p:sp>
+        <p:nvSpPr>
+          <p:cNvPr id="2" name="Title 1">
+            <a:extLst>
+              <a:ext uri="{FF2B5EF4-FFF2-40B4-BE49-F238E27FC236}">
+                <a16:creationId xmlns:a16="http://schemas.microsoft.com/office/drawing/2014/main" id="{CC7E31ED-3C04-FECA-96E6-1D70DEE184B3}"/>
+              </a:ext>
+            </a:extLst>
+          </p:cNvPr>
+          <p:cNvSpPr>
+            <a:spLocks noGrp="1"/>
+          </p:cNvSpPr>
+          <p:nvPr>
+            <p:ph type="title"/>
+          </p:nvPr>
+        </p:nvSpPr>
+        <p:spPr/>
+        <p:txBody>
+          <a:bodyPr/>
+          <a:lstStyle/>
+          <a:p>
+            <a:r>
+              <a:rPr lang="en-US" dirty="0"/>
+              <a:t>Conclusion</a:t>
+            </a:r>
+          </a:p>
+        </p:txBody>
+      </p:sp>
+      <p:sp>
+        <p:nvSpPr>
+          <p:cNvPr id="3" name="Content Placeholder 2">
+            <a:extLst>
+              <a:ext uri="{FF2B5EF4-FFF2-40B4-BE49-F238E27FC236}">
+                <a16:creationId xmlns:a16="http://schemas.microsoft.com/office/drawing/2014/main" id="{70372EAB-9243-C920-4D40-F6FB3B99E3D2}"/>
+              </a:ext>
+            </a:extLst>
+          </p:cNvPr>
+          <p:cNvSpPr>
+            <a:spLocks noGrp="1"/>
+          </p:cNvSpPr>
+          <p:nvPr>
+            <p:ph idx="1"/>
+          </p:nvPr>
+        </p:nvSpPr>
+        <p:spPr/>
+        <p:txBody>
+          <a:bodyPr/>
+          <a:lstStyle/>
+          <a:p>
+            <a:r>
+              <a:rPr lang="en-US" dirty="0"/>
+              <a:t>Successfully implemented AI-based salary prediction system using deep learning</a:t>
+            </a:r>
+          </a:p>
+          <a:p>
+            <a:r>
+              <a:rPr lang="en-US" dirty="0"/>
+              <a:t>Model can provide explainability for every decision made through the system</a:t>
+            </a:r>
+          </a:p>
+          <a:p>
+            <a:r>
+              <a:rPr lang="en-US" dirty="0"/>
+              <a:t>Significant value for HR departments in negotiations and planning</a:t>
+            </a:r>
+          </a:p>
+          <a:p>
+            <a:r>
+              <a:rPr lang="en-US" dirty="0"/>
+              <a:t>System is scalable and adaptable to various organizations</a:t>
+            </a:r>
+          </a:p>
+        </p:txBody>
+      </p:sp>
+    </p:spTree>
+    <p:extLst>
+      <p:ext uri="{BB962C8B-B14F-4D97-AF65-F5344CB8AC3E}">
+        <p14:creationId xmlns:p14="http://schemas.microsoft.com/office/powerpoint/2010/main" val="4070803458"/>
+      </p:ext>
+    </p:extLst>
+  </p:cSld>
+  <p:clrMapOvr>
+    <a:masterClrMapping/>
+  </p:clrMapOvr>
+</p:sld>
+</file>
+
 <file path=ppt/slides/slide2.xml><?xml version="1.0" encoding="utf-8"?>
 <p:sld xmlns:a="http://schemas.openxmlformats.org/drawingml/2006/main" xmlns:r="http://schemas.openxmlformats.org/officeDocument/2006/relationships" xmlns:p="http://schemas.openxmlformats.org/presentationml/2006/main">
   <p:cSld>
@@ -8799,13 +10247,13 @@
         <p:spPr/>
         <p:txBody>
           <a:bodyPr>
-            <a:normAutofit fontScale="90000"/>
+            <a:normAutofit/>
           </a:bodyPr>
           <a:lstStyle/>
           <a:p>
             <a:r>
               <a:rPr lang="en-US" dirty="0"/>
-              <a:t>AI-Based Resource Salary Prediction System</a:t>
+              <a:t>AI-Based Salary Prediction System</a:t>
             </a:r>
             <a:br>
               <a:rPr lang="en-US" dirty="0"/>
@@ -9033,45 +10481,19 @@
         <p:spPr/>
         <p:txBody>
           <a:bodyPr>
-            <a:normAutofit fontScale="85000" lnSpcReduction="20000"/>
+            <a:normAutofit/>
           </a:bodyPr>
           <a:lstStyle/>
           <a:p>
             <a:r>
               <a:rPr lang="en-US" dirty="0"/>
-              <a:t>Main objective of this system is to implement an AI base resource salary prediction system for Human Resource department. This is based on several factors like experience in the industry, qualification, resource age, work preferences, additional benefits and work location.</a:t>
+              <a:t>Develop an AI-powered salary prediction system for HR departments</a:t>
             </a:r>
           </a:p>
           <a:p>
             <a:r>
               <a:rPr lang="en-US" dirty="0"/>
-              <a:t>Usage: </a:t>
-            </a:r>
-          </a:p>
-          <a:p>
-            <a:pPr lvl="1"/>
-            <a:r>
-              <a:rPr lang="en-US" dirty="0"/>
-              <a:t>HR departments can negotiate salary ranges with candidates or outsource companies to sign a best deal.</a:t>
-            </a:r>
-          </a:p>
-          <a:p>
-            <a:pPr lvl="1"/>
-            <a:r>
-              <a:rPr lang="en-US" dirty="0"/>
-              <a:t>Can have an idea about expected level qualified candidate expectations or how much of investment companies have to bear.</a:t>
-            </a:r>
-          </a:p>
-          <a:p>
-            <a:r>
-              <a:rPr lang="en-US" dirty="0"/>
-              <a:t>Develop an AI-powered salary prediction system for HR departments</a:t>
-            </a:r>
-          </a:p>
-          <a:p>
-            <a:r>
-              <a:rPr lang="en-US" dirty="0"/>
-              <a:t>Analyze multiple factors affecting salary expectations</a:t>
+              <a:t>Analyze multiple factors affecting salary expectations (Industry, Qualification, Work Preference, Additional Benefits)</a:t>
             </a:r>
           </a:p>
           <a:p>
@@ -9165,7 +10587,7 @@
         <p:spPr/>
         <p:txBody>
           <a:bodyPr>
-            <a:normAutofit lnSpcReduction="10000"/>
+            <a:normAutofit fontScale="92500" lnSpcReduction="10000"/>
           </a:bodyPr>
           <a:lstStyle/>
           <a:p>
@@ -9178,7 +10600,14 @@
             <a:pPr lvl="1"/>
             <a:r>
               <a:rPr lang="en-US" dirty="0"/>
-              <a:t>This dataset is synthetically generated using a GPT model to simulate the real world scenarios.</a:t>
+              <a:t>This dataset is synthetically generated using a GPT model to simulate the real-world scenarios.</a:t>
+            </a:r>
+          </a:p>
+          <a:p>
+            <a:pPr lvl="1"/>
+            <a:r>
+              <a:rPr lang="en-US" dirty="0"/>
+              <a:t>Encoded the categorical and numerical data before passing to the model</a:t>
             </a:r>
           </a:p>
           <a:p>
@@ -9265,7 +10694,7 @@
           <p:cNvPr id="2" name="Title 1">
             <a:extLst>
               <a:ext uri="{FF2B5EF4-FFF2-40B4-BE49-F238E27FC236}">
-                <a16:creationId xmlns:a16="http://schemas.microsoft.com/office/drawing/2014/main" id="{CBFD4A1E-0A2A-6DBE-EE27-C5791280BF36}"/>
+                <a16:creationId xmlns:a16="http://schemas.microsoft.com/office/drawing/2014/main" id="{B070BF9A-2007-13ED-5D63-75AE7EFB6AE2}"/>
               </a:ext>
             </a:extLst>
           </p:cNvPr>
@@ -9283,7 +10712,7 @@
           <a:p>
             <a:r>
               <a:rPr lang="en-US" dirty="0"/>
-              <a:t>Outcomes</a:t>
+              <a:t>Model Architecture</a:t>
             </a:r>
           </a:p>
         </p:txBody>
@@ -9293,7 +10722,7 @@
           <p:cNvPr id="3" name="Content Placeholder 2">
             <a:extLst>
               <a:ext uri="{FF2B5EF4-FFF2-40B4-BE49-F238E27FC236}">
-                <a16:creationId xmlns:a16="http://schemas.microsoft.com/office/drawing/2014/main" id="{248B0B69-FD12-985A-B841-614C8A4930AD}"/>
+                <a16:creationId xmlns:a16="http://schemas.microsoft.com/office/drawing/2014/main" id="{8E10D3A9-7E7F-7E71-1909-98E7A55C517B}"/>
               </a:ext>
             </a:extLst>
           </p:cNvPr>
@@ -9311,25 +10740,25 @@
           <a:p>
             <a:r>
               <a:rPr lang="en-US" dirty="0"/>
-              <a:t>Salary Negotiations: HR’s can negotiate competitive salary ranges with candidates based on AI predictions</a:t>
+              <a:t>This is a feed-forward fully connected neural network designed for supervised learning task for Regression type problem.</a:t>
             </a:r>
           </a:p>
           <a:p>
             <a:r>
               <a:rPr lang="en-US" dirty="0"/>
-              <a:t>Budget Planning: Forecast hiring costs and understand investment requirements for qualified talent</a:t>
+              <a:t>Within the layers, used Batch Normalization and Dropout to improve training stability and generalization.</a:t>
             </a:r>
           </a:p>
           <a:p>
             <a:r>
               <a:rPr lang="en-US" dirty="0"/>
-              <a:t>Vendor Management: Optimize deals with outsource companies using data-driven salary benchmarks</a:t>
+              <a:t>This is a three-layer model without the input and output layers.</a:t>
             </a:r>
           </a:p>
           <a:p>
             <a:r>
               <a:rPr lang="en-US" dirty="0"/>
-              <a:t>Market Intelligence: Gain insights into candidate expectations across different experience levels</a:t>
+              <a:t>Layer by layer used funnel pattern (41 input feature, 128 -&gt; 64 -&gt; 32 -&gt; 1) to act as a compression mechanism encouraging the network to learn progressively.</a:t>
             </a:r>
           </a:p>
         </p:txBody>
@@ -9337,7 +10766,7 @@
     </p:spTree>
     <p:extLst>
       <p:ext uri="{BB962C8B-B14F-4D97-AF65-F5344CB8AC3E}">
-        <p14:creationId xmlns:p14="http://schemas.microsoft.com/office/powerpoint/2010/main" val="723222597"/>
+        <p14:creationId xmlns:p14="http://schemas.microsoft.com/office/powerpoint/2010/main" val="3705686888"/>
       </p:ext>
     </p:extLst>
   </p:cSld>
@@ -9369,7 +10798,7 @@
           <p:cNvPr id="2" name="Title 1">
             <a:extLst>
               <a:ext uri="{FF2B5EF4-FFF2-40B4-BE49-F238E27FC236}">
-                <a16:creationId xmlns:a16="http://schemas.microsoft.com/office/drawing/2014/main" id="{E7557B35-E37D-BE98-7D0A-D74DDB5B6A7C}"/>
+                <a16:creationId xmlns:a16="http://schemas.microsoft.com/office/drawing/2014/main" id="{7998830F-3EAA-E0DF-5476-67407759268A}"/>
               </a:ext>
             </a:extLst>
           </p:cNvPr>
@@ -9380,14 +10809,19 @@
             <p:ph type="title"/>
           </p:nvPr>
         </p:nvSpPr>
-        <p:spPr/>
+        <p:spPr>
+          <a:xfrm>
+            <a:off x="913795" y="172996"/>
+            <a:ext cx="10353761" cy="1178009"/>
+          </a:xfrm>
+        </p:spPr>
         <p:txBody>
           <a:bodyPr/>
           <a:lstStyle/>
           <a:p>
             <a:r>
               <a:rPr lang="en-US" dirty="0"/>
-              <a:t>Key Benefits</a:t>
+              <a:t>Model Architecture</a:t>
             </a:r>
           </a:p>
         </p:txBody>
@@ -9397,7 +10831,7 @@
           <p:cNvPr id="3" name="Content Placeholder 2">
             <a:extLst>
               <a:ext uri="{FF2B5EF4-FFF2-40B4-BE49-F238E27FC236}">
-                <a16:creationId xmlns:a16="http://schemas.microsoft.com/office/drawing/2014/main" id="{1C6B3CAD-C0E0-772D-44C7-15BD7D2C4266}"/>
+                <a16:creationId xmlns:a16="http://schemas.microsoft.com/office/drawing/2014/main" id="{29854CD8-6057-BB42-271C-58B6D60082E3}"/>
               </a:ext>
             </a:extLst>
           </p:cNvPr>
@@ -9408,44 +10842,191 @@
             <p:ph idx="1"/>
           </p:nvPr>
         </p:nvSpPr>
-        <p:spPr/>
-        <p:txBody>
-          <a:bodyPr/>
+        <p:spPr>
+          <a:xfrm>
+            <a:off x="1589903" y="1458097"/>
+            <a:ext cx="9382897" cy="4967417"/>
+          </a:xfrm>
+        </p:spPr>
+        <p:txBody>
+          <a:bodyPr>
+            <a:normAutofit fontScale="25000" lnSpcReduction="20000"/>
+          </a:bodyPr>
           <a:lstStyle/>
           <a:p>
-            <a:r>
-              <a:rPr lang="en-US" dirty="0"/>
-              <a:t>Data driven decision making for salary offers</a:t>
-            </a:r>
-          </a:p>
-          <a:p>
-            <a:r>
-              <a:rPr lang="en-US" dirty="0"/>
-              <a:t>Competitive positioning in talent acquisition</a:t>
-            </a:r>
-          </a:p>
-          <a:p>
-            <a:r>
-              <a:rPr lang="en-US" dirty="0"/>
-              <a:t>Reduced negotiation time and improved efficiency</a:t>
-            </a:r>
-          </a:p>
-          <a:p>
-            <a:r>
-              <a:rPr lang="en-US" dirty="0"/>
-              <a:t>Better budget forecasting and cost control</a:t>
-            </a:r>
-          </a:p>
-          <a:p>
-            <a:r>
-              <a:rPr lang="en-US" dirty="0"/>
-              <a:t>Scalable across different roles and locations</a:t>
-            </a:r>
-          </a:p>
-          <a:p>
-            <a:r>
-              <a:rPr lang="en-US" dirty="0"/>
-              <a:t>Explainable decisions</a:t>
+            <a:pPr marL="0" indent="0">
+              <a:buNone/>
+            </a:pPr>
+            <a:r>
+              <a:rPr lang="en-US" sz="6400" b="1" dirty="0"/>
+              <a:t>Input Layer</a:t>
+            </a:r>
+          </a:p>
+          <a:p>
+            <a:pPr marL="0" indent="0">
+              <a:buNone/>
+            </a:pPr>
+            <a:r>
+              <a:rPr lang="en-US" sz="3600" b="1" dirty="0"/>
+              <a:t>   │</a:t>
+            </a:r>
+          </a:p>
+          <a:p>
+            <a:pPr marL="0" indent="0">
+              <a:buNone/>
+            </a:pPr>
+            <a:r>
+              <a:rPr lang="en-US" sz="3600" b="1" dirty="0"/>
+              <a:t>   ▼</a:t>
+            </a:r>
+          </a:p>
+          <a:p>
+            <a:pPr marL="0" indent="0">
+              <a:buNone/>
+            </a:pPr>
+            <a:r>
+              <a:rPr lang="en-US" sz="5600" b="1" dirty="0"/>
+              <a:t>Linear (</a:t>
+            </a:r>
+            <a:r>
+              <a:rPr lang="en-US" sz="5600" b="1" dirty="0" err="1"/>
+              <a:t>input_size</a:t>
+            </a:r>
+            <a:r>
+              <a:rPr lang="en-US" sz="5600" b="1" dirty="0"/>
+              <a:t> → 128) → BatchNorm1d(128) → </a:t>
+            </a:r>
+            <a:r>
+              <a:rPr lang="en-US" sz="5600" b="1" dirty="0" err="1"/>
+              <a:t>ReLU</a:t>
+            </a:r>
+            <a:r>
+              <a:rPr lang="en-US" sz="5600" b="1" dirty="0"/>
+              <a:t> → Dropout(0.2)</a:t>
+            </a:r>
+          </a:p>
+          <a:p>
+            <a:pPr marL="0" indent="0">
+              <a:buNone/>
+            </a:pPr>
+            <a:r>
+              <a:rPr lang="en-US" sz="3600" b="1" dirty="0"/>
+              <a:t>   │</a:t>
+            </a:r>
+          </a:p>
+          <a:p>
+            <a:pPr marL="0" indent="0">
+              <a:buNone/>
+            </a:pPr>
+            <a:r>
+              <a:rPr lang="en-US" sz="3600" b="1" dirty="0"/>
+              <a:t>   ▼</a:t>
+            </a:r>
+          </a:p>
+          <a:p>
+            <a:pPr marL="0" indent="0">
+              <a:buNone/>
+            </a:pPr>
+            <a:r>
+              <a:rPr lang="en-US" sz="5600" b="1" dirty="0"/>
+              <a:t>Linear (128 → 64) → BatchNorm1d(64) → </a:t>
+            </a:r>
+            <a:r>
+              <a:rPr lang="en-US" sz="5600" b="1" dirty="0" err="1"/>
+              <a:t>ReLU</a:t>
+            </a:r>
+            <a:r>
+              <a:rPr lang="en-US" sz="5600" b="1" dirty="0"/>
+              <a:t> → Dropout(0.2)</a:t>
+            </a:r>
+          </a:p>
+          <a:p>
+            <a:pPr marL="0" indent="0">
+              <a:buNone/>
+            </a:pPr>
+            <a:r>
+              <a:rPr lang="en-US" sz="3600" b="1" dirty="0"/>
+              <a:t>   │</a:t>
+            </a:r>
+          </a:p>
+          <a:p>
+            <a:pPr marL="0" indent="0">
+              <a:buNone/>
+            </a:pPr>
+            <a:r>
+              <a:rPr lang="en-US" sz="3600" b="1" dirty="0"/>
+              <a:t>   ▼</a:t>
+            </a:r>
+          </a:p>
+          <a:p>
+            <a:pPr marL="0" indent="0">
+              <a:buNone/>
+            </a:pPr>
+            <a:r>
+              <a:rPr lang="en-US" sz="5600" b="1" dirty="0"/>
+              <a:t>Linear (64 → 32) → BatchNorm1d(32) → </a:t>
+            </a:r>
+            <a:r>
+              <a:rPr lang="en-US" sz="5600" b="1" dirty="0" err="1"/>
+              <a:t>ReLU</a:t>
+            </a:r>
+            <a:r>
+              <a:rPr lang="en-US" sz="5600" b="1" dirty="0"/>
+              <a:t> → Dropout(0.2)</a:t>
+            </a:r>
+          </a:p>
+          <a:p>
+            <a:pPr marL="0" indent="0">
+              <a:buNone/>
+            </a:pPr>
+            <a:r>
+              <a:rPr lang="en-US" sz="3600" b="1" dirty="0"/>
+              <a:t>   │</a:t>
+            </a:r>
+          </a:p>
+          <a:p>
+            <a:pPr marL="0" indent="0">
+              <a:buNone/>
+            </a:pPr>
+            <a:r>
+              <a:rPr lang="en-US" sz="3600" b="1" dirty="0"/>
+              <a:t>   ▼</a:t>
+            </a:r>
+          </a:p>
+          <a:p>
+            <a:pPr marL="0" indent="0">
+              <a:buNone/>
+            </a:pPr>
+            <a:r>
+              <a:rPr lang="en-US" sz="5600" b="1" dirty="0"/>
+              <a:t>Linear (32 → 1)</a:t>
+            </a:r>
+          </a:p>
+          <a:p>
+            <a:pPr marL="0" indent="0">
+              <a:buNone/>
+            </a:pPr>
+            <a:r>
+              <a:rPr lang="en-US" sz="3600" b="1" dirty="0"/>
+              <a:t>   │</a:t>
+            </a:r>
+          </a:p>
+          <a:p>
+            <a:pPr marL="0" indent="0">
+              <a:buNone/>
+            </a:pPr>
+            <a:r>
+              <a:rPr lang="en-US" sz="3600" b="1" dirty="0"/>
+              <a:t>   ▼</a:t>
+            </a:r>
+          </a:p>
+          <a:p>
+            <a:pPr marL="0" indent="0">
+              <a:buNone/>
+            </a:pPr>
+            <a:r>
+              <a:rPr lang="en-US" sz="5600" b="1" dirty="0"/>
+              <a:t>Output</a:t>
             </a:r>
           </a:p>
           <a:p>
@@ -9459,7 +11040,7 @@
     </p:spTree>
     <p:extLst>
       <p:ext uri="{BB962C8B-B14F-4D97-AF65-F5344CB8AC3E}">
-        <p14:creationId xmlns:p14="http://schemas.microsoft.com/office/powerpoint/2010/main" val="582643493"/>
+        <p14:creationId xmlns:p14="http://schemas.microsoft.com/office/powerpoint/2010/main" val="4091956024"/>
       </p:ext>
     </p:extLst>
   </p:cSld>
@@ -9491,7 +11072,7 @@
           <p:cNvPr id="2" name="Title 1">
             <a:extLst>
               <a:ext uri="{FF2B5EF4-FFF2-40B4-BE49-F238E27FC236}">
-                <a16:creationId xmlns:a16="http://schemas.microsoft.com/office/drawing/2014/main" id="{CC7E31ED-3C04-FECA-96E6-1D70DEE184B3}"/>
+                <a16:creationId xmlns:a16="http://schemas.microsoft.com/office/drawing/2014/main" id="{FAB366A8-65DE-EE84-5613-5882BA0BE17F}"/>
               </a:ext>
             </a:extLst>
           </p:cNvPr>
@@ -9509,7 +11090,7 @@
           <a:p>
             <a:r>
               <a:rPr lang="en-US" dirty="0"/>
-              <a:t>Conclusion</a:t>
+              <a:t>Training Process</a:t>
             </a:r>
           </a:p>
         </p:txBody>
@@ -9519,7 +11100,7 @@
           <p:cNvPr id="3" name="Content Placeholder 2">
             <a:extLst>
               <a:ext uri="{FF2B5EF4-FFF2-40B4-BE49-F238E27FC236}">
-                <a16:creationId xmlns:a16="http://schemas.microsoft.com/office/drawing/2014/main" id="{70372EAB-9243-C920-4D40-F6FB3B99E3D2}"/>
+                <a16:creationId xmlns:a16="http://schemas.microsoft.com/office/drawing/2014/main" id="{62C44859-D033-0A66-7919-22A25A37E957}"/>
               </a:ext>
             </a:extLst>
           </p:cNvPr>
@@ -9537,33 +11118,192 @@
           <a:p>
             <a:r>
               <a:rPr lang="en-US" dirty="0"/>
-              <a:t>Successfully implemented AI-based salary prediction system using deep learning</a:t>
-            </a:r>
-          </a:p>
-          <a:p>
+              <a:t>For the training used 100 epochs, learning rate 0.001 and </a:t>
+            </a:r>
+            <a:r>
+              <a:rPr lang="en-US" dirty="0" err="1"/>
+              <a:t>batch_size</a:t>
+            </a:r>
             <a:r>
               <a:rPr lang="en-US" dirty="0"/>
-              <a:t>Model can provide explainability for every decision made through the system</a:t>
+              <a:t> of 64</a:t>
             </a:r>
           </a:p>
           <a:p>
             <a:r>
               <a:rPr lang="en-US" dirty="0"/>
-              <a:t>Significant value for HR departments in negotiations and planning</a:t>
+              <a:t>For loss calculation used mean squared error</a:t>
             </a:r>
           </a:p>
           <a:p>
             <a:r>
               <a:rPr lang="en-US" dirty="0"/>
-              <a:t>System is scalable and adaptable to various organizations</a:t>
-            </a:r>
+              <a:t>As optimization algorithm used Adam optimizer</a:t>
+            </a:r>
+          </a:p>
+          <a:p>
+            <a:r>
+              <a:rPr lang="en-US" dirty="0"/>
+              <a:t>Use </a:t>
+            </a:r>
+            <a:r>
+              <a:rPr lang="en-US" dirty="0">
+                <a:effectLst/>
+              </a:rPr>
+              <a:t>Early Stopping technique with patience 20</a:t>
+            </a:r>
+          </a:p>
+          <a:p>
+            <a:endParaRPr lang="en-US" dirty="0"/>
+          </a:p>
+          <a:p>
+            <a:endParaRPr lang="en-US" dirty="0"/>
           </a:p>
         </p:txBody>
       </p:sp>
     </p:spTree>
     <p:extLst>
       <p:ext uri="{BB962C8B-B14F-4D97-AF65-F5344CB8AC3E}">
-        <p14:creationId xmlns:p14="http://schemas.microsoft.com/office/powerpoint/2010/main" val="4070803458"/>
+        <p14:creationId xmlns:p14="http://schemas.microsoft.com/office/powerpoint/2010/main" val="155850186"/>
+      </p:ext>
+    </p:extLst>
+  </p:cSld>
+  <p:clrMapOvr>
+    <a:masterClrMapping/>
+  </p:clrMapOvr>
+</p:sld>
+</file>
+
+<file path=ppt/slides/slide9.xml><?xml version="1.0" encoding="utf-8"?>
+<p:sld xmlns:a="http://schemas.openxmlformats.org/drawingml/2006/main" xmlns:r="http://schemas.openxmlformats.org/officeDocument/2006/relationships" xmlns:p="http://schemas.openxmlformats.org/presentationml/2006/main">
+  <p:cSld>
+    <p:bg>
+      <p:bgPr>
+        <a:blipFill rotWithShape="1">
+          <a:blip r:embed="rId2">
+            <a:duotone>
+              <a:schemeClr val="bg2">
+                <a:shade val="18000"/>
+                <a:satMod val="160000"/>
+                <a:lumMod val="28000"/>
+              </a:schemeClr>
+              <a:schemeClr val="bg2">
+                <a:tint val="95000"/>
+                <a:satMod val="160000"/>
+                <a:lumMod val="116000"/>
+              </a:schemeClr>
+            </a:duotone>
+          </a:blip>
+          <a:stretch/>
+        </a:blipFill>
+        <a:effectLst/>
+      </p:bgPr>
+    </p:bg>
+    <p:spTree>
+      <p:nvGrpSpPr>
+        <p:cNvPr id="1" name=""/>
+        <p:cNvGrpSpPr/>
+        <p:nvPr/>
+      </p:nvGrpSpPr>
+      <p:grpSpPr>
+        <a:xfrm>
+          <a:off x="0" y="0"/>
+          <a:ext cx="0" cy="0"/>
+          <a:chOff x="0" y="0"/>
+          <a:chExt cx="0" cy="0"/>
+        </a:xfrm>
+      </p:grpSpPr>
+      <p:sp>
+        <p:nvSpPr>
+          <p:cNvPr id="2" name="Title 1">
+            <a:extLst>
+              <a:ext uri="{FF2B5EF4-FFF2-40B4-BE49-F238E27FC236}">
+                <a16:creationId xmlns:a16="http://schemas.microsoft.com/office/drawing/2014/main" id="{86F25CF5-86FC-9C54-85D5-ACB568C15FF1}"/>
+              </a:ext>
+            </a:extLst>
+          </p:cNvPr>
+          <p:cNvSpPr>
+            <a:spLocks noGrp="1"/>
+          </p:cNvSpPr>
+          <p:nvPr>
+            <p:ph type="title"/>
+          </p:nvPr>
+        </p:nvSpPr>
+        <p:spPr>
+          <a:xfrm>
+            <a:off x="913795" y="609600"/>
+            <a:ext cx="10353761" cy="782595"/>
+          </a:xfrm>
+        </p:spPr>
+        <p:txBody>
+          <a:bodyPr>
+            <a:normAutofit/>
+          </a:bodyPr>
+          <a:lstStyle/>
+          <a:p>
+            <a:r>
+              <a:rPr lang="en-US" dirty="0"/>
+              <a:t>Training Process</a:t>
+            </a:r>
+          </a:p>
+        </p:txBody>
+      </p:sp>
+      <p:pic>
+        <p:nvPicPr>
+          <p:cNvPr id="5" name="Content Placeholder 4">
+            <a:extLst>
+              <a:ext uri="{FF2B5EF4-FFF2-40B4-BE49-F238E27FC236}">
+                <a16:creationId xmlns:a16="http://schemas.microsoft.com/office/drawing/2014/main" id="{761A895B-93FF-FEC2-B759-B4A2DB9C9B77}"/>
+              </a:ext>
+            </a:extLst>
+          </p:cNvPr>
+          <p:cNvPicPr>
+            <a:picLocks noChangeAspect="1"/>
+          </p:cNvPicPr>
+          <p:nvPr/>
+        </p:nvPicPr>
+        <p:blipFill>
+          <a:blip r:embed="rId3"/>
+          <a:stretch>
+            <a:fillRect/>
+          </a:stretch>
+        </p:blipFill>
+        <p:spPr>
+          <a:xfrm>
+            <a:off x="913795" y="1820562"/>
+            <a:ext cx="10353761" cy="4570613"/>
+          </a:xfrm>
+          <a:prstGeom prst="rect">
+            <a:avLst/>
+          </a:prstGeom>
+          <a:ln w="190500" cap="sq">
+            <a:solidFill>
+              <a:srgbClr val="FFFFFF"/>
+            </a:solidFill>
+            <a:miter lim="800000"/>
+          </a:ln>
+          <a:effectLst>
+            <a:outerShdw blurRad="54991" dist="17780" dir="5400000" algn="ctr" rotWithShape="0">
+              <a:schemeClr val="bg1">
+                <a:alpha val="40000"/>
+              </a:schemeClr>
+            </a:outerShdw>
+          </a:effectLst>
+          <a:scene3d>
+            <a:camera prst="orthographicFront"/>
+            <a:lightRig rig="twoPt" dir="t">
+              <a:rot lat="0" lon="0" rev="7200000"/>
+            </a:lightRig>
+          </a:scene3d>
+          <a:sp3d>
+            <a:bevelT w="25400" h="19050"/>
+          </a:sp3d>
+        </p:spPr>
+      </p:pic>
+    </p:spTree>
+    <p:extLst>
+      <p:ext uri="{BB962C8B-B14F-4D97-AF65-F5344CB8AC3E}">
+        <p14:creationId xmlns:p14="http://schemas.microsoft.com/office/powerpoint/2010/main" val="1578950284"/>
       </p:ext>
     </p:extLst>
   </p:cSld>
